--- a/doc/advanced/slides/lesson_10.pptx
+++ b/doc/advanced/slides/lesson_10.pptx
@@ -221,7 +221,7 @@
           <a:p>
             <a:fld id="{060F4727-23A3-441E-BA41-9534DD80814F}" type="datetimeFigureOut">
               <a:rPr lang="en-US" smtClean="0"/>
-              <a:t>10/1/20</a:t>
+              <a:t>10/23/21</a:t>
             </a:fld>
             <a:endParaRPr lang="en-US"/>
           </a:p>
@@ -1013,7 +1013,7 @@
           <a:p>
             <a:fld id="{6D7D1AC5-EDA8-4631-9228-9906422CEF8D}" type="datetimeFigureOut">
               <a:rPr lang="en-US" smtClean="0"/>
-              <a:t>10/1/20</a:t>
+              <a:t>10/23/21</a:t>
             </a:fld>
             <a:endParaRPr lang="en-US"/>
           </a:p>
@@ -1181,7 +1181,7 @@
           <a:p>
             <a:fld id="{6D7D1AC5-EDA8-4631-9228-9906422CEF8D}" type="datetimeFigureOut">
               <a:rPr lang="en-US" smtClean="0"/>
-              <a:t>10/1/20</a:t>
+              <a:t>10/23/21</a:t>
             </a:fld>
             <a:endParaRPr lang="en-US"/>
           </a:p>
@@ -1359,7 +1359,7 @@
           <a:p>
             <a:fld id="{6D7D1AC5-EDA8-4631-9228-9906422CEF8D}" type="datetimeFigureOut">
               <a:rPr lang="en-US" smtClean="0"/>
-              <a:t>10/1/20</a:t>
+              <a:t>10/23/21</a:t>
             </a:fld>
             <a:endParaRPr lang="en-US"/>
           </a:p>
@@ -1598,7 +1598,7 @@
                 <a:tabLst/>
                 <a:defRPr/>
               </a:pPr>
-              <a:t>10/1/20</a:t>
+              <a:t>10/23/21</a:t>
             </a:fld>
             <a:endParaRPr kumimoji="0" lang="en-US" sz="1200" b="0" i="0" u="none" strike="noStrike" kern="1200" cap="none" spc="0" normalizeH="0" baseline="0" noProof="0">
               <a:ln>
@@ -1937,7 +1937,7 @@
                 <a:tabLst/>
                 <a:defRPr/>
               </a:pPr>
-              <a:t>10/1/20</a:t>
+              <a:t>10/23/21</a:t>
             </a:fld>
             <a:endParaRPr kumimoji="0" lang="en-US" sz="1200" b="0" i="0" u="none" strike="noStrike" kern="1200" cap="none" spc="0" normalizeH="0" baseline="0" noProof="0">
               <a:ln>
@@ -2342,7 +2342,7 @@
                 <a:tabLst/>
                 <a:defRPr/>
               </a:pPr>
-              <a:t>10/1/20</a:t>
+              <a:t>10/23/21</a:t>
             </a:fld>
             <a:endParaRPr kumimoji="0" lang="en-US" sz="1200" b="0" i="0" u="none" strike="noStrike" kern="1200" cap="none" spc="0" normalizeH="0" baseline="0" noProof="0">
               <a:ln>
@@ -2731,7 +2731,7 @@
                 <a:tabLst/>
                 <a:defRPr/>
               </a:pPr>
-              <a:t>10/1/20</a:t>
+              <a:t>10/23/21</a:t>
             </a:fld>
             <a:endParaRPr kumimoji="0" lang="en-US" sz="1200" b="0" i="0" u="none" strike="noStrike" kern="1200" cap="none" spc="0" normalizeH="0" baseline="0" noProof="0">
               <a:ln>
@@ -3255,7 +3255,7 @@
                 <a:tabLst/>
                 <a:defRPr/>
               </a:pPr>
-              <a:t>10/1/20</a:t>
+              <a:t>10/23/21</a:t>
             </a:fld>
             <a:endParaRPr kumimoji="0" lang="en-US" sz="1200" b="0" i="0" u="none" strike="noStrike" kern="1200" cap="none" spc="0" normalizeH="0" baseline="0" noProof="0">
               <a:ln>
@@ -3532,7 +3532,7 @@
                 <a:tabLst/>
                 <a:defRPr/>
               </a:pPr>
-              <a:t>10/1/20</a:t>
+              <a:t>10/23/21</a:t>
             </a:fld>
             <a:endParaRPr kumimoji="0" lang="en-US" sz="1200" b="0" i="0" u="none" strike="noStrike" kern="1200" cap="none" spc="0" normalizeH="0" baseline="0" noProof="0">
               <a:ln>
@@ -3787,7 +3787,7 @@
                 <a:tabLst/>
                 <a:defRPr/>
               </a:pPr>
-              <a:t>10/1/20</a:t>
+              <a:t>10/23/21</a:t>
             </a:fld>
             <a:endParaRPr kumimoji="0" lang="en-US" sz="1200" b="0" i="0" u="none" strike="noStrike" kern="1200" cap="none" spc="0" normalizeH="0" baseline="0" noProof="0">
               <a:ln>
@@ -4222,7 +4222,7 @@
                 <a:tabLst/>
                 <a:defRPr/>
               </a:pPr>
-              <a:t>10/1/20</a:t>
+              <a:t>10/23/21</a:t>
             </a:fld>
             <a:endParaRPr kumimoji="0" lang="en-US" sz="1200" b="0" i="0" u="none" strike="noStrike" kern="1200" cap="none" spc="0" normalizeH="0" baseline="0" noProof="0">
               <a:ln>
@@ -4535,7 +4535,7 @@
           <a:p>
             <a:fld id="{6D7D1AC5-EDA8-4631-9228-9906422CEF8D}" type="datetimeFigureOut">
               <a:rPr lang="en-US" smtClean="0"/>
-              <a:t>10/1/20</a:t>
+              <a:t>10/23/21</a:t>
             </a:fld>
             <a:endParaRPr lang="en-US"/>
           </a:p>
@@ -4836,7 +4836,7 @@
                 <a:tabLst/>
                 <a:defRPr/>
               </a:pPr>
-              <a:t>10/1/20</a:t>
+              <a:t>10/23/21</a:t>
             </a:fld>
             <a:endParaRPr kumimoji="0" lang="en-US" sz="1200" b="0" i="0" u="none" strike="noStrike" kern="1200" cap="none" spc="0" normalizeH="0" baseline="0" noProof="0">
               <a:ln>
@@ -5164,7 +5164,7 @@
                 <a:tabLst/>
                 <a:defRPr/>
               </a:pPr>
-              <a:t>10/1/20</a:t>
+              <a:t>10/23/21</a:t>
             </a:fld>
             <a:endParaRPr kumimoji="0" lang="en-US" sz="1200" b="0" i="0" u="none" strike="noStrike" kern="1200" cap="none" spc="0" normalizeH="0" baseline="0" noProof="0">
               <a:ln>
@@ -5502,7 +5502,7 @@
                 <a:tabLst/>
                 <a:defRPr/>
               </a:pPr>
-              <a:t>10/1/20</a:t>
+              <a:t>10/23/21</a:t>
             </a:fld>
             <a:endParaRPr kumimoji="0" lang="en-US" sz="1200" b="0" i="0" u="none" strike="noStrike" kern="1200" cap="none" spc="0" normalizeH="0" baseline="0" noProof="0">
               <a:ln>
@@ -5852,7 +5852,7 @@
                 <a:tabLst/>
                 <a:defRPr/>
               </a:pPr>
-              <a:t>10/1/20</a:t>
+              <a:t>10/23/21</a:t>
             </a:fld>
             <a:endParaRPr kumimoji="0" lang="en-US" sz="1200" b="0" i="0" u="none" strike="noStrike" kern="1200" cap="none" spc="0" normalizeH="0" baseline="0" noProof="0">
               <a:ln>
@@ -6191,7 +6191,7 @@
                 <a:tabLst/>
                 <a:defRPr/>
               </a:pPr>
-              <a:t>10/1/20</a:t>
+              <a:t>10/23/21</a:t>
             </a:fld>
             <a:endParaRPr kumimoji="0" lang="en-US" sz="1200" b="0" i="0" u="none" strike="noStrike" kern="1200" cap="none" spc="0" normalizeH="0" baseline="0" noProof="0">
               <a:ln>
@@ -6596,7 +6596,7 @@
                 <a:tabLst/>
                 <a:defRPr/>
               </a:pPr>
-              <a:t>10/1/20</a:t>
+              <a:t>10/23/21</a:t>
             </a:fld>
             <a:endParaRPr kumimoji="0" lang="en-US" sz="1200" b="0" i="0" u="none" strike="noStrike" kern="1200" cap="none" spc="0" normalizeH="0" baseline="0" noProof="0">
               <a:ln>
@@ -6985,7 +6985,7 @@
                 <a:tabLst/>
                 <a:defRPr/>
               </a:pPr>
-              <a:t>10/1/20</a:t>
+              <a:t>10/23/21</a:t>
             </a:fld>
             <a:endParaRPr kumimoji="0" lang="en-US" sz="1200" b="0" i="0" u="none" strike="noStrike" kern="1200" cap="none" spc="0" normalizeH="0" baseline="0" noProof="0">
               <a:ln>
@@ -7509,7 +7509,7 @@
                 <a:tabLst/>
                 <a:defRPr/>
               </a:pPr>
-              <a:t>10/1/20</a:t>
+              <a:t>10/23/21</a:t>
             </a:fld>
             <a:endParaRPr kumimoji="0" lang="en-US" sz="1200" b="0" i="0" u="none" strike="noStrike" kern="1200" cap="none" spc="0" normalizeH="0" baseline="0" noProof="0">
               <a:ln>
@@ -7786,7 +7786,7 @@
                 <a:tabLst/>
                 <a:defRPr/>
               </a:pPr>
-              <a:t>10/1/20</a:t>
+              <a:t>10/23/21</a:t>
             </a:fld>
             <a:endParaRPr kumimoji="0" lang="en-US" sz="1200" b="0" i="0" u="none" strike="noStrike" kern="1200" cap="none" spc="0" normalizeH="0" baseline="0" noProof="0">
               <a:ln>
@@ -8041,7 +8041,7 @@
                 <a:tabLst/>
                 <a:defRPr/>
               </a:pPr>
-              <a:t>10/1/20</a:t>
+              <a:t>10/23/21</a:t>
             </a:fld>
             <a:endParaRPr kumimoji="0" lang="en-US" sz="1200" b="0" i="0" u="none" strike="noStrike" kern="1200" cap="none" spc="0" normalizeH="0" baseline="0" noProof="0">
               <a:ln>
@@ -8397,7 +8397,7 @@
           <a:p>
             <a:fld id="{6D7D1AC5-EDA8-4631-9228-9906422CEF8D}" type="datetimeFigureOut">
               <a:rPr lang="en-US" smtClean="0"/>
-              <a:t>10/1/20</a:t>
+              <a:t>10/23/21</a:t>
             </a:fld>
             <a:endParaRPr lang="en-US"/>
           </a:p>
@@ -8721,7 +8721,7 @@
                 <a:tabLst/>
                 <a:defRPr/>
               </a:pPr>
-              <a:t>10/1/20</a:t>
+              <a:t>10/23/21</a:t>
             </a:fld>
             <a:endParaRPr kumimoji="0" lang="en-US" sz="1200" b="0" i="0" u="none" strike="noStrike" kern="1200" cap="none" spc="0" normalizeH="0" baseline="0" noProof="0">
               <a:ln>
@@ -9133,7 +9133,7 @@
                 <a:tabLst/>
                 <a:defRPr/>
               </a:pPr>
-              <a:t>10/1/20</a:t>
+              <a:t>10/23/21</a:t>
             </a:fld>
             <a:endParaRPr kumimoji="0" lang="en-US" sz="1200" b="0" i="0" u="none" strike="noStrike" kern="1200" cap="none" spc="0" normalizeH="0" baseline="0" noProof="0">
               <a:ln>
@@ -9461,7 +9461,7 @@
                 <a:tabLst/>
                 <a:defRPr/>
               </a:pPr>
-              <a:t>10/1/20</a:t>
+              <a:t>10/23/21</a:t>
             </a:fld>
             <a:endParaRPr kumimoji="0" lang="en-US" sz="1200" b="0" i="0" u="none" strike="noStrike" kern="1200" cap="none" spc="0" normalizeH="0" baseline="0" noProof="0">
               <a:ln>
@@ -9799,7 +9799,7 @@
                 <a:tabLst/>
                 <a:defRPr/>
               </a:pPr>
-              <a:t>10/1/20</a:t>
+              <a:t>10/23/21</a:t>
             </a:fld>
             <a:endParaRPr kumimoji="0" lang="en-US" sz="1200" b="0" i="0" u="none" strike="noStrike" kern="1200" cap="none" spc="0" normalizeH="0" baseline="0" noProof="0">
               <a:ln>
@@ -10139,7 +10139,7 @@
           <a:p>
             <a:fld id="{6D7D1AC5-EDA8-4631-9228-9906422CEF8D}" type="datetimeFigureOut">
               <a:rPr lang="en-US" smtClean="0"/>
-              <a:t>10/1/20</a:t>
+              <a:t>10/23/21</a:t>
             </a:fld>
             <a:endParaRPr lang="en-US"/>
           </a:p>
@@ -10503,7 +10503,7 @@
           <a:p>
             <a:fld id="{6D7D1AC5-EDA8-4631-9228-9906422CEF8D}" type="datetimeFigureOut">
               <a:rPr lang="en-US" smtClean="0"/>
-              <a:t>10/1/20</a:t>
+              <a:t>10/23/21</a:t>
             </a:fld>
             <a:endParaRPr lang="en-US"/>
           </a:p>
@@ -10620,7 +10620,7 @@
           <a:p>
             <a:fld id="{6D7D1AC5-EDA8-4631-9228-9906422CEF8D}" type="datetimeFigureOut">
               <a:rPr lang="en-US" smtClean="0"/>
-              <a:t>10/1/20</a:t>
+              <a:t>10/23/21</a:t>
             </a:fld>
             <a:endParaRPr lang="en-US"/>
           </a:p>
@@ -10715,7 +10715,7 @@
           <a:p>
             <a:fld id="{6D7D1AC5-EDA8-4631-9228-9906422CEF8D}" type="datetimeFigureOut">
               <a:rPr lang="en-US" smtClean="0"/>
-              <a:t>10/1/20</a:t>
+              <a:t>10/23/21</a:t>
             </a:fld>
             <a:endParaRPr lang="en-US"/>
           </a:p>
@@ -10990,7 +10990,7 @@
           <a:p>
             <a:fld id="{6D7D1AC5-EDA8-4631-9228-9906422CEF8D}" type="datetimeFigureOut">
               <a:rPr lang="en-US" smtClean="0"/>
-              <a:t>10/1/20</a:t>
+              <a:t>10/23/21</a:t>
             </a:fld>
             <a:endParaRPr lang="en-US"/>
           </a:p>
@@ -11242,7 +11242,7 @@
           <a:p>
             <a:fld id="{6D7D1AC5-EDA8-4631-9228-9906422CEF8D}" type="datetimeFigureOut">
               <a:rPr lang="en-US" smtClean="0"/>
-              <a:t>10/1/20</a:t>
+              <a:t>10/23/21</a:t>
             </a:fld>
             <a:endParaRPr lang="en-US"/>
           </a:p>
@@ -11453,7 +11453,7 @@
           <a:p>
             <a:fld id="{6D7D1AC5-EDA8-4631-9228-9906422CEF8D}" type="datetimeFigureOut">
               <a:rPr lang="en-US" smtClean="0"/>
-              <a:t>10/1/20</a:t>
+              <a:t>10/23/21</a:t>
             </a:fld>
             <a:endParaRPr lang="en-US"/>
           </a:p>
@@ -12040,7 +12040,7 @@
                 <a:tabLst/>
                 <a:defRPr/>
               </a:pPr>
-              <a:t>10/1/20</a:t>
+              <a:t>10/23/21</a:t>
             </a:fld>
             <a:endParaRPr kumimoji="0" lang="en-US" sz="1200" b="0" i="0" u="none" strike="noStrike" kern="1200" cap="none" spc="0" normalizeH="0" baseline="0" noProof="0">
               <a:ln>
@@ -12738,7 +12738,7 @@
                 <a:tabLst/>
                 <a:defRPr/>
               </a:pPr>
-              <a:t>10/1/20</a:t>
+              <a:t>10/23/21</a:t>
             </a:fld>
             <a:endParaRPr kumimoji="0" lang="en-US" sz="1200" b="0" i="0" u="none" strike="noStrike" kern="1200" cap="none" spc="0" normalizeH="0" baseline="0" noProof="0">
               <a:ln>
@@ -13278,16 +13278,12 @@
           <a:p>
             <a:pPr algn="l"/>
             <a:r>
+              <a:rPr lang="en-US" sz="7200"/>
+              <a:t>Enterprise Programming </a:t>
+            </a:r>
+            <a:r>
               <a:rPr lang="en-US" sz="7200" dirty="0"/>
-              <a:t>Enterprise </a:t>
-            </a:r>
-            <a:r>
-              <a:rPr lang="en-US" sz="7200" dirty="0" err="1"/>
-              <a:t>Programmering</a:t>
-            </a:r>
-            <a:r>
-              <a:rPr lang="en-US" sz="7200" dirty="0"/>
-              <a:t> 2</a:t>
+              <a:t>2</a:t>
             </a:r>
             <a:br>
               <a:rPr lang="en-US" sz="7200" dirty="0"/>
@@ -13333,16 +13329,12 @@
           <a:p>
             <a:pPr algn="r"/>
             <a:r>
-              <a:rPr lang="en-US" sz="2800"/>
-              <a:t>Prof. </a:t>
-            </a:r>
-            <a:r>
               <a:rPr lang="en-US" sz="2800" dirty="0"/>
-              <a:t>Andrea </a:t>
+              <a:t>Bogdan </a:t>
             </a:r>
             <a:r>
               <a:rPr lang="en-US" sz="2800" dirty="0" err="1"/>
-              <a:t>Arcuri</a:t>
+              <a:t>Marculescu</a:t>
             </a:r>
             <a:endParaRPr lang="en-US" sz="2800" dirty="0"/>
           </a:p>
